--- a/lesson_HTML5/3.微网站项目实战/3.微网站实战.pptx
+++ b/lesson_HTML5/3.微网站项目实战/3.微网站实战.pptx
@@ -5,14 +5,18 @@
     <p:sldMasterId id="2147483648" r:id="rId1"/>
   </p:sldMasterIdLst>
   <p:notesMasterIdLst>
-    <p:notesMasterId r:id="rId7"/>
+    <p:notesMasterId r:id="rId11"/>
   </p:notesMasterIdLst>
   <p:sldIdLst>
     <p:sldId id="256" r:id="rId2"/>
     <p:sldId id="276" r:id="rId3"/>
     <p:sldId id="275" r:id="rId4"/>
     <p:sldId id="260" r:id="rId5"/>
-    <p:sldId id="272" r:id="rId6"/>
+    <p:sldId id="279" r:id="rId6"/>
+    <p:sldId id="278" r:id="rId7"/>
+    <p:sldId id="272" r:id="rId8"/>
+    <p:sldId id="277" r:id="rId9"/>
+    <p:sldId id="280" r:id="rId10"/>
   </p:sldIdLst>
   <p:sldSz cx="12192000" cy="6858000"/>
   <p:notesSz cx="6858000" cy="9144000"/>
@@ -8493,6 +8497,1738 @@
           <a:p>
             <a:r>
               <a:rPr kumimoji="1" lang="en-US" altLang="zh-CN" dirty="0" smtClean="0"/>
+              <a:t>UI</a:t>
+            </a:r>
+            <a:r>
+              <a:rPr kumimoji="1" lang="zh-CN" altLang="en-US" dirty="0" smtClean="0"/>
+              <a:t>框架介绍</a:t>
+            </a:r>
+            <a:endParaRPr kumimoji="1" lang="zh-CN" altLang="en-US" dirty="0"/>
+          </a:p>
+        </p:txBody>
+      </p:sp>
+      <p:sp>
+        <p:nvSpPr>
+          <p:cNvPr id="3" name="内容占位符 2"/>
+          <p:cNvSpPr>
+            <a:spLocks noGrp="1"/>
+          </p:cNvSpPr>
+          <p:nvPr>
+            <p:ph idx="1"/>
+          </p:nvPr>
+        </p:nvSpPr>
+        <p:spPr/>
+        <p:txBody>
+          <a:bodyPr/>
+          <a:lstStyle/>
+          <a:p>
+            <a:r>
+              <a:rPr kumimoji="1" lang="en-US" altLang="zh-CN" dirty="0" smtClean="0"/>
+              <a:t>Bootstrap</a:t>
+            </a:r>
+          </a:p>
+          <a:p>
+            <a:r>
+              <a:rPr kumimoji="1" lang="en-US" altLang="zh-CN" dirty="0" smtClean="0"/>
+              <a:t>Foundation</a:t>
+            </a:r>
+          </a:p>
+          <a:p>
+            <a:r>
+              <a:rPr kumimoji="1" lang="en-US" altLang="zh-CN" dirty="0" smtClean="0"/>
+              <a:t>Ionic</a:t>
+            </a:r>
+          </a:p>
+          <a:p>
+            <a:r>
+              <a:rPr lang="en-US" altLang="zh-CN" dirty="0" smtClean="0"/>
+              <a:t>Material</a:t>
+            </a:r>
+            <a:endParaRPr kumimoji="1" lang="en-US" altLang="zh-CN" dirty="0" smtClean="0"/>
+          </a:p>
+          <a:p>
+            <a:r>
+              <a:rPr kumimoji="1" lang="en-US" altLang="zh-CN" dirty="0" err="1" smtClean="0"/>
+              <a:t>AmaziUI</a:t>
+            </a:r>
+            <a:endParaRPr kumimoji="1" lang="en-US" altLang="zh-CN" dirty="0" smtClean="0"/>
+          </a:p>
+          <a:p>
+            <a:r>
+              <a:rPr kumimoji="1" lang="zh-CN" altLang="en-US" dirty="0" smtClean="0"/>
+              <a:t>网易的</a:t>
+            </a:r>
+            <a:r>
+              <a:rPr kumimoji="1" lang="en-US" altLang="zh-CN" dirty="0" smtClean="0"/>
+              <a:t>NEC</a:t>
+            </a:r>
+          </a:p>
+          <a:p>
+            <a:r>
+              <a:rPr kumimoji="1" lang="zh-CN" altLang="en-US" dirty="0" smtClean="0"/>
+              <a:t>支付宝的</a:t>
+            </a:r>
+            <a:r>
+              <a:rPr kumimoji="1" lang="en-US" altLang="zh-CN" dirty="0" smtClean="0"/>
+              <a:t>Alice</a:t>
+            </a:r>
+            <a:endParaRPr kumimoji="1" lang="zh-CN" altLang="en-US" dirty="0"/>
+          </a:p>
+        </p:txBody>
+      </p:sp>
+    </p:spTree>
+    <p:extLst>
+      <p:ext uri="{BB962C8B-B14F-4D97-AF65-F5344CB8AC3E}">
+        <p14:creationId xmlns:p14="http://schemas.microsoft.com/office/powerpoint/2010/main" val="82173109"/>
+      </p:ext>
+    </p:extLst>
+  </p:cSld>
+  <p:clrMapOvr>
+    <a:masterClrMapping/>
+  </p:clrMapOvr>
+  <p:timing>
+    <p:tnLst>
+      <p:par>
+        <p:cTn id="1" dur="indefinite" restart="never" nodeType="tmRoot">
+          <p:childTnLst>
+            <p:seq concurrent="1" nextAc="seek">
+              <p:cTn id="2" dur="indefinite" nodeType="mainSeq">
+                <p:childTnLst>
+                  <p:par>
+                    <p:cTn id="3" fill="hold">
+                      <p:stCondLst>
+                        <p:cond delay="indefinite"/>
+                      </p:stCondLst>
+                      <p:childTnLst>
+                        <p:par>
+                          <p:cTn id="4" fill="hold">
+                            <p:stCondLst>
+                              <p:cond delay="0"/>
+                            </p:stCondLst>
+                            <p:childTnLst>
+                              <p:par>
+                                <p:cTn id="5" presetID="2" presetClass="entr" presetSubtype="4" fill="hold" grpId="0" nodeType="clickEffect">
+                                  <p:stCondLst>
+                                    <p:cond delay="0"/>
+                                  </p:stCondLst>
+                                  <p:childTnLst>
+                                    <p:set>
+                                      <p:cBhvr>
+                                        <p:cTn id="6" dur="1" fill="hold">
+                                          <p:stCondLst>
+                                            <p:cond delay="0"/>
+                                          </p:stCondLst>
+                                        </p:cTn>
+                                        <p:tgtEl>
+                                          <p:spTgt spid="3">
+                                            <p:txEl>
+                                              <p:pRg st="0" end="0"/>
+                                            </p:txEl>
+                                          </p:spTgt>
+                                        </p:tgtEl>
+                                        <p:attrNameLst>
+                                          <p:attrName>style.visibility</p:attrName>
+                                        </p:attrNameLst>
+                                      </p:cBhvr>
+                                      <p:to>
+                                        <p:strVal val="visible"/>
+                                      </p:to>
+                                    </p:set>
+                                    <p:anim calcmode="lin" valueType="num">
+                                      <p:cBhvr additive="base">
+                                        <p:cTn id="7" dur="500" fill="hold"/>
+                                        <p:tgtEl>
+                                          <p:spTgt spid="3">
+                                            <p:txEl>
+                                              <p:pRg st="0" end="0"/>
+                                            </p:txEl>
+                                          </p:spTgt>
+                                        </p:tgtEl>
+                                        <p:attrNameLst>
+                                          <p:attrName>ppt_x</p:attrName>
+                                        </p:attrNameLst>
+                                      </p:cBhvr>
+                                      <p:tavLst>
+                                        <p:tav tm="0">
+                                          <p:val>
+                                            <p:strVal val="#ppt_x"/>
+                                          </p:val>
+                                        </p:tav>
+                                        <p:tav tm="100000">
+                                          <p:val>
+                                            <p:strVal val="#ppt_x"/>
+                                          </p:val>
+                                        </p:tav>
+                                      </p:tavLst>
+                                    </p:anim>
+                                    <p:anim calcmode="lin" valueType="num">
+                                      <p:cBhvr additive="base">
+                                        <p:cTn id="8" dur="500" fill="hold"/>
+                                        <p:tgtEl>
+                                          <p:spTgt spid="3">
+                                            <p:txEl>
+                                              <p:pRg st="0" end="0"/>
+                                            </p:txEl>
+                                          </p:spTgt>
+                                        </p:tgtEl>
+                                        <p:attrNameLst>
+                                          <p:attrName>ppt_y</p:attrName>
+                                        </p:attrNameLst>
+                                      </p:cBhvr>
+                                      <p:tavLst>
+                                        <p:tav tm="0">
+                                          <p:val>
+                                            <p:strVal val="1+#ppt_h/2"/>
+                                          </p:val>
+                                        </p:tav>
+                                        <p:tav tm="100000">
+                                          <p:val>
+                                            <p:strVal val="#ppt_y"/>
+                                          </p:val>
+                                        </p:tav>
+                                      </p:tavLst>
+                                    </p:anim>
+                                  </p:childTnLst>
+                                </p:cTn>
+                              </p:par>
+                            </p:childTnLst>
+                          </p:cTn>
+                        </p:par>
+                      </p:childTnLst>
+                    </p:cTn>
+                  </p:par>
+                  <p:par>
+                    <p:cTn id="9" fill="hold">
+                      <p:stCondLst>
+                        <p:cond delay="indefinite"/>
+                      </p:stCondLst>
+                      <p:childTnLst>
+                        <p:par>
+                          <p:cTn id="10" fill="hold">
+                            <p:stCondLst>
+                              <p:cond delay="0"/>
+                            </p:stCondLst>
+                            <p:childTnLst>
+                              <p:par>
+                                <p:cTn id="11" presetID="2" presetClass="entr" presetSubtype="4" fill="hold" grpId="0" nodeType="clickEffect">
+                                  <p:stCondLst>
+                                    <p:cond delay="0"/>
+                                  </p:stCondLst>
+                                  <p:childTnLst>
+                                    <p:set>
+                                      <p:cBhvr>
+                                        <p:cTn id="12" dur="1" fill="hold">
+                                          <p:stCondLst>
+                                            <p:cond delay="0"/>
+                                          </p:stCondLst>
+                                        </p:cTn>
+                                        <p:tgtEl>
+                                          <p:spTgt spid="3">
+                                            <p:txEl>
+                                              <p:pRg st="1" end="1"/>
+                                            </p:txEl>
+                                          </p:spTgt>
+                                        </p:tgtEl>
+                                        <p:attrNameLst>
+                                          <p:attrName>style.visibility</p:attrName>
+                                        </p:attrNameLst>
+                                      </p:cBhvr>
+                                      <p:to>
+                                        <p:strVal val="visible"/>
+                                      </p:to>
+                                    </p:set>
+                                    <p:anim calcmode="lin" valueType="num">
+                                      <p:cBhvr additive="base">
+                                        <p:cTn id="13" dur="500" fill="hold"/>
+                                        <p:tgtEl>
+                                          <p:spTgt spid="3">
+                                            <p:txEl>
+                                              <p:pRg st="1" end="1"/>
+                                            </p:txEl>
+                                          </p:spTgt>
+                                        </p:tgtEl>
+                                        <p:attrNameLst>
+                                          <p:attrName>ppt_x</p:attrName>
+                                        </p:attrNameLst>
+                                      </p:cBhvr>
+                                      <p:tavLst>
+                                        <p:tav tm="0">
+                                          <p:val>
+                                            <p:strVal val="#ppt_x"/>
+                                          </p:val>
+                                        </p:tav>
+                                        <p:tav tm="100000">
+                                          <p:val>
+                                            <p:strVal val="#ppt_x"/>
+                                          </p:val>
+                                        </p:tav>
+                                      </p:tavLst>
+                                    </p:anim>
+                                    <p:anim calcmode="lin" valueType="num">
+                                      <p:cBhvr additive="base">
+                                        <p:cTn id="14" dur="500" fill="hold"/>
+                                        <p:tgtEl>
+                                          <p:spTgt spid="3">
+                                            <p:txEl>
+                                              <p:pRg st="1" end="1"/>
+                                            </p:txEl>
+                                          </p:spTgt>
+                                        </p:tgtEl>
+                                        <p:attrNameLst>
+                                          <p:attrName>ppt_y</p:attrName>
+                                        </p:attrNameLst>
+                                      </p:cBhvr>
+                                      <p:tavLst>
+                                        <p:tav tm="0">
+                                          <p:val>
+                                            <p:strVal val="1+#ppt_h/2"/>
+                                          </p:val>
+                                        </p:tav>
+                                        <p:tav tm="100000">
+                                          <p:val>
+                                            <p:strVal val="#ppt_y"/>
+                                          </p:val>
+                                        </p:tav>
+                                      </p:tavLst>
+                                    </p:anim>
+                                  </p:childTnLst>
+                                </p:cTn>
+                              </p:par>
+                            </p:childTnLst>
+                          </p:cTn>
+                        </p:par>
+                      </p:childTnLst>
+                    </p:cTn>
+                  </p:par>
+                  <p:par>
+                    <p:cTn id="15" fill="hold">
+                      <p:stCondLst>
+                        <p:cond delay="indefinite"/>
+                      </p:stCondLst>
+                      <p:childTnLst>
+                        <p:par>
+                          <p:cTn id="16" fill="hold">
+                            <p:stCondLst>
+                              <p:cond delay="0"/>
+                            </p:stCondLst>
+                            <p:childTnLst>
+                              <p:par>
+                                <p:cTn id="17" presetID="2" presetClass="entr" presetSubtype="4" fill="hold" grpId="0" nodeType="clickEffect">
+                                  <p:stCondLst>
+                                    <p:cond delay="0"/>
+                                  </p:stCondLst>
+                                  <p:childTnLst>
+                                    <p:set>
+                                      <p:cBhvr>
+                                        <p:cTn id="18" dur="1" fill="hold">
+                                          <p:stCondLst>
+                                            <p:cond delay="0"/>
+                                          </p:stCondLst>
+                                        </p:cTn>
+                                        <p:tgtEl>
+                                          <p:spTgt spid="3">
+                                            <p:txEl>
+                                              <p:pRg st="2" end="2"/>
+                                            </p:txEl>
+                                          </p:spTgt>
+                                        </p:tgtEl>
+                                        <p:attrNameLst>
+                                          <p:attrName>style.visibility</p:attrName>
+                                        </p:attrNameLst>
+                                      </p:cBhvr>
+                                      <p:to>
+                                        <p:strVal val="visible"/>
+                                      </p:to>
+                                    </p:set>
+                                    <p:anim calcmode="lin" valueType="num">
+                                      <p:cBhvr additive="base">
+                                        <p:cTn id="19" dur="500" fill="hold"/>
+                                        <p:tgtEl>
+                                          <p:spTgt spid="3">
+                                            <p:txEl>
+                                              <p:pRg st="2" end="2"/>
+                                            </p:txEl>
+                                          </p:spTgt>
+                                        </p:tgtEl>
+                                        <p:attrNameLst>
+                                          <p:attrName>ppt_x</p:attrName>
+                                        </p:attrNameLst>
+                                      </p:cBhvr>
+                                      <p:tavLst>
+                                        <p:tav tm="0">
+                                          <p:val>
+                                            <p:strVal val="#ppt_x"/>
+                                          </p:val>
+                                        </p:tav>
+                                        <p:tav tm="100000">
+                                          <p:val>
+                                            <p:strVal val="#ppt_x"/>
+                                          </p:val>
+                                        </p:tav>
+                                      </p:tavLst>
+                                    </p:anim>
+                                    <p:anim calcmode="lin" valueType="num">
+                                      <p:cBhvr additive="base">
+                                        <p:cTn id="20" dur="500" fill="hold"/>
+                                        <p:tgtEl>
+                                          <p:spTgt spid="3">
+                                            <p:txEl>
+                                              <p:pRg st="2" end="2"/>
+                                            </p:txEl>
+                                          </p:spTgt>
+                                        </p:tgtEl>
+                                        <p:attrNameLst>
+                                          <p:attrName>ppt_y</p:attrName>
+                                        </p:attrNameLst>
+                                      </p:cBhvr>
+                                      <p:tavLst>
+                                        <p:tav tm="0">
+                                          <p:val>
+                                            <p:strVal val="1+#ppt_h/2"/>
+                                          </p:val>
+                                        </p:tav>
+                                        <p:tav tm="100000">
+                                          <p:val>
+                                            <p:strVal val="#ppt_y"/>
+                                          </p:val>
+                                        </p:tav>
+                                      </p:tavLst>
+                                    </p:anim>
+                                  </p:childTnLst>
+                                </p:cTn>
+                              </p:par>
+                            </p:childTnLst>
+                          </p:cTn>
+                        </p:par>
+                      </p:childTnLst>
+                    </p:cTn>
+                  </p:par>
+                  <p:par>
+                    <p:cTn id="21" fill="hold">
+                      <p:stCondLst>
+                        <p:cond delay="indefinite"/>
+                      </p:stCondLst>
+                      <p:childTnLst>
+                        <p:par>
+                          <p:cTn id="22" fill="hold">
+                            <p:stCondLst>
+                              <p:cond delay="0"/>
+                            </p:stCondLst>
+                            <p:childTnLst>
+                              <p:par>
+                                <p:cTn id="23" presetID="2" presetClass="entr" presetSubtype="4" fill="hold" grpId="0" nodeType="clickEffect">
+                                  <p:stCondLst>
+                                    <p:cond delay="0"/>
+                                  </p:stCondLst>
+                                  <p:childTnLst>
+                                    <p:set>
+                                      <p:cBhvr>
+                                        <p:cTn id="24" dur="1" fill="hold">
+                                          <p:stCondLst>
+                                            <p:cond delay="0"/>
+                                          </p:stCondLst>
+                                        </p:cTn>
+                                        <p:tgtEl>
+                                          <p:spTgt spid="3">
+                                            <p:txEl>
+                                              <p:pRg st="3" end="3"/>
+                                            </p:txEl>
+                                          </p:spTgt>
+                                        </p:tgtEl>
+                                        <p:attrNameLst>
+                                          <p:attrName>style.visibility</p:attrName>
+                                        </p:attrNameLst>
+                                      </p:cBhvr>
+                                      <p:to>
+                                        <p:strVal val="visible"/>
+                                      </p:to>
+                                    </p:set>
+                                    <p:anim calcmode="lin" valueType="num">
+                                      <p:cBhvr additive="base">
+                                        <p:cTn id="25" dur="500" fill="hold"/>
+                                        <p:tgtEl>
+                                          <p:spTgt spid="3">
+                                            <p:txEl>
+                                              <p:pRg st="3" end="3"/>
+                                            </p:txEl>
+                                          </p:spTgt>
+                                        </p:tgtEl>
+                                        <p:attrNameLst>
+                                          <p:attrName>ppt_x</p:attrName>
+                                        </p:attrNameLst>
+                                      </p:cBhvr>
+                                      <p:tavLst>
+                                        <p:tav tm="0">
+                                          <p:val>
+                                            <p:strVal val="#ppt_x"/>
+                                          </p:val>
+                                        </p:tav>
+                                        <p:tav tm="100000">
+                                          <p:val>
+                                            <p:strVal val="#ppt_x"/>
+                                          </p:val>
+                                        </p:tav>
+                                      </p:tavLst>
+                                    </p:anim>
+                                    <p:anim calcmode="lin" valueType="num">
+                                      <p:cBhvr additive="base">
+                                        <p:cTn id="26" dur="500" fill="hold"/>
+                                        <p:tgtEl>
+                                          <p:spTgt spid="3">
+                                            <p:txEl>
+                                              <p:pRg st="3" end="3"/>
+                                            </p:txEl>
+                                          </p:spTgt>
+                                        </p:tgtEl>
+                                        <p:attrNameLst>
+                                          <p:attrName>ppt_y</p:attrName>
+                                        </p:attrNameLst>
+                                      </p:cBhvr>
+                                      <p:tavLst>
+                                        <p:tav tm="0">
+                                          <p:val>
+                                            <p:strVal val="1+#ppt_h/2"/>
+                                          </p:val>
+                                        </p:tav>
+                                        <p:tav tm="100000">
+                                          <p:val>
+                                            <p:strVal val="#ppt_y"/>
+                                          </p:val>
+                                        </p:tav>
+                                      </p:tavLst>
+                                    </p:anim>
+                                  </p:childTnLst>
+                                </p:cTn>
+                              </p:par>
+                            </p:childTnLst>
+                          </p:cTn>
+                        </p:par>
+                      </p:childTnLst>
+                    </p:cTn>
+                  </p:par>
+                  <p:par>
+                    <p:cTn id="27" fill="hold">
+                      <p:stCondLst>
+                        <p:cond delay="indefinite"/>
+                      </p:stCondLst>
+                      <p:childTnLst>
+                        <p:par>
+                          <p:cTn id="28" fill="hold">
+                            <p:stCondLst>
+                              <p:cond delay="0"/>
+                            </p:stCondLst>
+                            <p:childTnLst>
+                              <p:par>
+                                <p:cTn id="29" presetID="2" presetClass="entr" presetSubtype="4" fill="hold" grpId="0" nodeType="clickEffect">
+                                  <p:stCondLst>
+                                    <p:cond delay="0"/>
+                                  </p:stCondLst>
+                                  <p:childTnLst>
+                                    <p:set>
+                                      <p:cBhvr>
+                                        <p:cTn id="30" dur="1" fill="hold">
+                                          <p:stCondLst>
+                                            <p:cond delay="0"/>
+                                          </p:stCondLst>
+                                        </p:cTn>
+                                        <p:tgtEl>
+                                          <p:spTgt spid="3">
+                                            <p:txEl>
+                                              <p:pRg st="4" end="4"/>
+                                            </p:txEl>
+                                          </p:spTgt>
+                                        </p:tgtEl>
+                                        <p:attrNameLst>
+                                          <p:attrName>style.visibility</p:attrName>
+                                        </p:attrNameLst>
+                                      </p:cBhvr>
+                                      <p:to>
+                                        <p:strVal val="visible"/>
+                                      </p:to>
+                                    </p:set>
+                                    <p:anim calcmode="lin" valueType="num">
+                                      <p:cBhvr additive="base">
+                                        <p:cTn id="31" dur="500" fill="hold"/>
+                                        <p:tgtEl>
+                                          <p:spTgt spid="3">
+                                            <p:txEl>
+                                              <p:pRg st="4" end="4"/>
+                                            </p:txEl>
+                                          </p:spTgt>
+                                        </p:tgtEl>
+                                        <p:attrNameLst>
+                                          <p:attrName>ppt_x</p:attrName>
+                                        </p:attrNameLst>
+                                      </p:cBhvr>
+                                      <p:tavLst>
+                                        <p:tav tm="0">
+                                          <p:val>
+                                            <p:strVal val="#ppt_x"/>
+                                          </p:val>
+                                        </p:tav>
+                                        <p:tav tm="100000">
+                                          <p:val>
+                                            <p:strVal val="#ppt_x"/>
+                                          </p:val>
+                                        </p:tav>
+                                      </p:tavLst>
+                                    </p:anim>
+                                    <p:anim calcmode="lin" valueType="num">
+                                      <p:cBhvr additive="base">
+                                        <p:cTn id="32" dur="500" fill="hold"/>
+                                        <p:tgtEl>
+                                          <p:spTgt spid="3">
+                                            <p:txEl>
+                                              <p:pRg st="4" end="4"/>
+                                            </p:txEl>
+                                          </p:spTgt>
+                                        </p:tgtEl>
+                                        <p:attrNameLst>
+                                          <p:attrName>ppt_y</p:attrName>
+                                        </p:attrNameLst>
+                                      </p:cBhvr>
+                                      <p:tavLst>
+                                        <p:tav tm="0">
+                                          <p:val>
+                                            <p:strVal val="1+#ppt_h/2"/>
+                                          </p:val>
+                                        </p:tav>
+                                        <p:tav tm="100000">
+                                          <p:val>
+                                            <p:strVal val="#ppt_y"/>
+                                          </p:val>
+                                        </p:tav>
+                                      </p:tavLst>
+                                    </p:anim>
+                                  </p:childTnLst>
+                                </p:cTn>
+                              </p:par>
+                            </p:childTnLst>
+                          </p:cTn>
+                        </p:par>
+                      </p:childTnLst>
+                    </p:cTn>
+                  </p:par>
+                  <p:par>
+                    <p:cTn id="33" fill="hold">
+                      <p:stCondLst>
+                        <p:cond delay="indefinite"/>
+                      </p:stCondLst>
+                      <p:childTnLst>
+                        <p:par>
+                          <p:cTn id="34" fill="hold">
+                            <p:stCondLst>
+                              <p:cond delay="0"/>
+                            </p:stCondLst>
+                            <p:childTnLst>
+                              <p:par>
+                                <p:cTn id="35" presetID="2" presetClass="entr" presetSubtype="4" fill="hold" grpId="0" nodeType="clickEffect">
+                                  <p:stCondLst>
+                                    <p:cond delay="0"/>
+                                  </p:stCondLst>
+                                  <p:childTnLst>
+                                    <p:set>
+                                      <p:cBhvr>
+                                        <p:cTn id="36" dur="1" fill="hold">
+                                          <p:stCondLst>
+                                            <p:cond delay="0"/>
+                                          </p:stCondLst>
+                                        </p:cTn>
+                                        <p:tgtEl>
+                                          <p:spTgt spid="3">
+                                            <p:txEl>
+                                              <p:pRg st="5" end="5"/>
+                                            </p:txEl>
+                                          </p:spTgt>
+                                        </p:tgtEl>
+                                        <p:attrNameLst>
+                                          <p:attrName>style.visibility</p:attrName>
+                                        </p:attrNameLst>
+                                      </p:cBhvr>
+                                      <p:to>
+                                        <p:strVal val="visible"/>
+                                      </p:to>
+                                    </p:set>
+                                    <p:anim calcmode="lin" valueType="num">
+                                      <p:cBhvr additive="base">
+                                        <p:cTn id="37" dur="500" fill="hold"/>
+                                        <p:tgtEl>
+                                          <p:spTgt spid="3">
+                                            <p:txEl>
+                                              <p:pRg st="5" end="5"/>
+                                            </p:txEl>
+                                          </p:spTgt>
+                                        </p:tgtEl>
+                                        <p:attrNameLst>
+                                          <p:attrName>ppt_x</p:attrName>
+                                        </p:attrNameLst>
+                                      </p:cBhvr>
+                                      <p:tavLst>
+                                        <p:tav tm="0">
+                                          <p:val>
+                                            <p:strVal val="#ppt_x"/>
+                                          </p:val>
+                                        </p:tav>
+                                        <p:tav tm="100000">
+                                          <p:val>
+                                            <p:strVal val="#ppt_x"/>
+                                          </p:val>
+                                        </p:tav>
+                                      </p:tavLst>
+                                    </p:anim>
+                                    <p:anim calcmode="lin" valueType="num">
+                                      <p:cBhvr additive="base">
+                                        <p:cTn id="38" dur="500" fill="hold"/>
+                                        <p:tgtEl>
+                                          <p:spTgt spid="3">
+                                            <p:txEl>
+                                              <p:pRg st="5" end="5"/>
+                                            </p:txEl>
+                                          </p:spTgt>
+                                        </p:tgtEl>
+                                        <p:attrNameLst>
+                                          <p:attrName>ppt_y</p:attrName>
+                                        </p:attrNameLst>
+                                      </p:cBhvr>
+                                      <p:tavLst>
+                                        <p:tav tm="0">
+                                          <p:val>
+                                            <p:strVal val="1+#ppt_h/2"/>
+                                          </p:val>
+                                        </p:tav>
+                                        <p:tav tm="100000">
+                                          <p:val>
+                                            <p:strVal val="#ppt_y"/>
+                                          </p:val>
+                                        </p:tav>
+                                      </p:tavLst>
+                                    </p:anim>
+                                  </p:childTnLst>
+                                </p:cTn>
+                              </p:par>
+                            </p:childTnLst>
+                          </p:cTn>
+                        </p:par>
+                      </p:childTnLst>
+                    </p:cTn>
+                  </p:par>
+                  <p:par>
+                    <p:cTn id="39" fill="hold">
+                      <p:stCondLst>
+                        <p:cond delay="indefinite"/>
+                      </p:stCondLst>
+                      <p:childTnLst>
+                        <p:par>
+                          <p:cTn id="40" fill="hold">
+                            <p:stCondLst>
+                              <p:cond delay="0"/>
+                            </p:stCondLst>
+                            <p:childTnLst>
+                              <p:par>
+                                <p:cTn id="41" presetID="2" presetClass="entr" presetSubtype="4" fill="hold" grpId="0" nodeType="clickEffect">
+                                  <p:stCondLst>
+                                    <p:cond delay="0"/>
+                                  </p:stCondLst>
+                                  <p:childTnLst>
+                                    <p:set>
+                                      <p:cBhvr>
+                                        <p:cTn id="42" dur="1" fill="hold">
+                                          <p:stCondLst>
+                                            <p:cond delay="0"/>
+                                          </p:stCondLst>
+                                        </p:cTn>
+                                        <p:tgtEl>
+                                          <p:spTgt spid="3">
+                                            <p:txEl>
+                                              <p:pRg st="6" end="6"/>
+                                            </p:txEl>
+                                          </p:spTgt>
+                                        </p:tgtEl>
+                                        <p:attrNameLst>
+                                          <p:attrName>style.visibility</p:attrName>
+                                        </p:attrNameLst>
+                                      </p:cBhvr>
+                                      <p:to>
+                                        <p:strVal val="visible"/>
+                                      </p:to>
+                                    </p:set>
+                                    <p:anim calcmode="lin" valueType="num">
+                                      <p:cBhvr additive="base">
+                                        <p:cTn id="43" dur="500" fill="hold"/>
+                                        <p:tgtEl>
+                                          <p:spTgt spid="3">
+                                            <p:txEl>
+                                              <p:pRg st="6" end="6"/>
+                                            </p:txEl>
+                                          </p:spTgt>
+                                        </p:tgtEl>
+                                        <p:attrNameLst>
+                                          <p:attrName>ppt_x</p:attrName>
+                                        </p:attrNameLst>
+                                      </p:cBhvr>
+                                      <p:tavLst>
+                                        <p:tav tm="0">
+                                          <p:val>
+                                            <p:strVal val="#ppt_x"/>
+                                          </p:val>
+                                        </p:tav>
+                                        <p:tav tm="100000">
+                                          <p:val>
+                                            <p:strVal val="#ppt_x"/>
+                                          </p:val>
+                                        </p:tav>
+                                      </p:tavLst>
+                                    </p:anim>
+                                    <p:anim calcmode="lin" valueType="num">
+                                      <p:cBhvr additive="base">
+                                        <p:cTn id="44" dur="500" fill="hold"/>
+                                        <p:tgtEl>
+                                          <p:spTgt spid="3">
+                                            <p:txEl>
+                                              <p:pRg st="6" end="6"/>
+                                            </p:txEl>
+                                          </p:spTgt>
+                                        </p:tgtEl>
+                                        <p:attrNameLst>
+                                          <p:attrName>ppt_y</p:attrName>
+                                        </p:attrNameLst>
+                                      </p:cBhvr>
+                                      <p:tavLst>
+                                        <p:tav tm="0">
+                                          <p:val>
+                                            <p:strVal val="1+#ppt_h/2"/>
+                                          </p:val>
+                                        </p:tav>
+                                        <p:tav tm="100000">
+                                          <p:val>
+                                            <p:strVal val="#ppt_y"/>
+                                          </p:val>
+                                        </p:tav>
+                                      </p:tavLst>
+                                    </p:anim>
+                                  </p:childTnLst>
+                                </p:cTn>
+                              </p:par>
+                            </p:childTnLst>
+                          </p:cTn>
+                        </p:par>
+                      </p:childTnLst>
+                    </p:cTn>
+                  </p:par>
+                </p:childTnLst>
+              </p:cTn>
+              <p:prevCondLst>
+                <p:cond evt="onPrev" delay="0">
+                  <p:tgtEl>
+                    <p:sldTgt/>
+                  </p:tgtEl>
+                </p:cond>
+              </p:prevCondLst>
+              <p:nextCondLst>
+                <p:cond evt="onNext" delay="0">
+                  <p:tgtEl>
+                    <p:sldTgt/>
+                  </p:tgtEl>
+                </p:cond>
+              </p:nextCondLst>
+            </p:seq>
+          </p:childTnLst>
+        </p:cTn>
+      </p:par>
+    </p:tnLst>
+    <p:bldLst>
+      <p:bldP spid="3" grpId="0" build="p"/>
+    </p:bldLst>
+  </p:timing>
+</p:sld>
+</file>
+
+<file path=ppt/slides/slide6.xml><?xml version="1.0" encoding="utf-8"?>
+<p:sld xmlns:a="http://schemas.openxmlformats.org/drawingml/2006/main" xmlns:r="http://schemas.openxmlformats.org/officeDocument/2006/relationships" xmlns:p="http://schemas.openxmlformats.org/presentationml/2006/main">
+  <p:cSld>
+    <p:spTree>
+      <p:nvGrpSpPr>
+        <p:cNvPr id="1" name=""/>
+        <p:cNvGrpSpPr/>
+        <p:nvPr/>
+      </p:nvGrpSpPr>
+      <p:grpSpPr>
+        <a:xfrm>
+          <a:off x="0" y="0"/>
+          <a:ext cx="0" cy="0"/>
+          <a:chOff x="0" y="0"/>
+          <a:chExt cx="0" cy="0"/>
+        </a:xfrm>
+      </p:grpSpPr>
+      <p:sp>
+        <p:nvSpPr>
+          <p:cNvPr id="2" name="标题 1"/>
+          <p:cNvSpPr>
+            <a:spLocks noGrp="1"/>
+          </p:cNvSpPr>
+          <p:nvPr>
+            <p:ph type="title"/>
+          </p:nvPr>
+        </p:nvSpPr>
+        <p:spPr/>
+        <p:txBody>
+          <a:bodyPr/>
+          <a:lstStyle/>
+          <a:p>
+            <a:r>
+              <a:rPr kumimoji="1" lang="zh-CN" altLang="en-US" dirty="0" smtClean="0"/>
+              <a:t>开发前准备</a:t>
+            </a:r>
+            <a:endParaRPr kumimoji="1" lang="zh-CN" altLang="en-US" dirty="0"/>
+          </a:p>
+        </p:txBody>
+      </p:sp>
+      <p:sp>
+        <p:nvSpPr>
+          <p:cNvPr id="3" name="内容占位符 2"/>
+          <p:cNvSpPr>
+            <a:spLocks noGrp="1"/>
+          </p:cNvSpPr>
+          <p:nvPr>
+            <p:ph idx="1"/>
+          </p:nvPr>
+        </p:nvSpPr>
+        <p:spPr/>
+        <p:txBody>
+          <a:bodyPr/>
+          <a:lstStyle/>
+          <a:p>
+            <a:r>
+              <a:rPr kumimoji="1" lang="zh-CN" altLang="en-US" dirty="0" smtClean="0"/>
+              <a:t>开发工具</a:t>
+            </a:r>
+            <a:r>
+              <a:rPr kumimoji="1" lang="en-US" altLang="zh-CN" dirty="0" smtClean="0"/>
+              <a:t>IDE</a:t>
+            </a:r>
+            <a:r>
+              <a:rPr kumimoji="1" lang="zh-CN" altLang="en-US" dirty="0" smtClean="0"/>
+              <a:t>（</a:t>
+            </a:r>
+            <a:r>
+              <a:rPr kumimoji="1" lang="en-US" altLang="zh-CN" dirty="0" smtClean="0"/>
+              <a:t>sublime</a:t>
+            </a:r>
+            <a:r>
+              <a:rPr kumimoji="1" lang="zh-CN" altLang="en-US" dirty="0" smtClean="0"/>
+              <a:t>、</a:t>
+            </a:r>
+            <a:r>
+              <a:rPr kumimoji="1" lang="en-US" altLang="zh-CN" dirty="0" err="1" smtClean="0"/>
+              <a:t>webStorm</a:t>
+            </a:r>
+            <a:r>
+              <a:rPr kumimoji="1" lang="zh-CN" altLang="en-US" dirty="0" smtClean="0"/>
+              <a:t>、</a:t>
+            </a:r>
+            <a:r>
+              <a:rPr kumimoji="1" lang="en-US" altLang="zh-CN" dirty="0" smtClean="0"/>
+              <a:t>Dreamweaver</a:t>
+            </a:r>
+            <a:r>
+              <a:rPr kumimoji="1" lang="zh-CN" altLang="en-US" dirty="0" smtClean="0"/>
+              <a:t>、</a:t>
+            </a:r>
+            <a:r>
+              <a:rPr kumimoji="1" lang="en-US" altLang="zh-CN" dirty="0" smtClean="0"/>
+              <a:t>Eclipse</a:t>
+            </a:r>
+            <a:r>
+              <a:rPr kumimoji="1" lang="zh-CN" altLang="en-US" dirty="0" smtClean="0"/>
+              <a:t>）</a:t>
+            </a:r>
+            <a:endParaRPr kumimoji="1" lang="en-US" altLang="zh-CN" dirty="0" smtClean="0"/>
+          </a:p>
+          <a:p>
+            <a:r>
+              <a:rPr kumimoji="1" lang="zh-CN" altLang="en-US" dirty="0" smtClean="0"/>
+              <a:t>浏览器（</a:t>
+            </a:r>
+            <a:r>
+              <a:rPr kumimoji="1" lang="en-US" altLang="zh-CN" dirty="0" smtClean="0"/>
+              <a:t>Chrome</a:t>
+            </a:r>
+            <a:r>
+              <a:rPr kumimoji="1" lang="zh-CN" altLang="en-US" dirty="0" smtClean="0"/>
+              <a:t>、</a:t>
+            </a:r>
+            <a:r>
+              <a:rPr kumimoji="1" lang="en-US" altLang="zh-CN" dirty="0" smtClean="0"/>
+              <a:t>IE9</a:t>
+            </a:r>
+            <a:r>
+              <a:rPr kumimoji="1" lang="zh-CN" altLang="en-US" dirty="0" smtClean="0"/>
+              <a:t>以上、</a:t>
+            </a:r>
+            <a:r>
+              <a:rPr kumimoji="1" lang="en-US" altLang="zh-CN" dirty="0" smtClean="0"/>
+              <a:t>Firefox</a:t>
+            </a:r>
+            <a:r>
+              <a:rPr kumimoji="1" lang="zh-CN" altLang="en-US" dirty="0" smtClean="0"/>
+              <a:t>）</a:t>
+            </a:r>
+            <a:endParaRPr kumimoji="1" lang="en-US" altLang="zh-CN" dirty="0" smtClean="0"/>
+          </a:p>
+          <a:p>
+            <a:r>
+              <a:rPr kumimoji="1" lang="zh-CN" altLang="en-US" dirty="0" smtClean="0"/>
+              <a:t>移动手机</a:t>
+            </a:r>
+          </a:p>
+          <a:p>
+            <a:r>
+              <a:rPr kumimoji="1" lang="zh-CN" altLang="en-US" dirty="0" smtClean="0"/>
+              <a:t>搭建本机服务器或者是网络虚拟主机</a:t>
+            </a:r>
+            <a:endParaRPr kumimoji="1" lang="en-US" altLang="zh-CN" dirty="0" smtClean="0"/>
+          </a:p>
+          <a:p>
+            <a:r>
+              <a:rPr kumimoji="1" lang="zh-CN" altLang="en-US" dirty="0" smtClean="0"/>
+              <a:t>下载</a:t>
+            </a:r>
+            <a:r>
+              <a:rPr kumimoji="1" lang="en-US" altLang="zh-CN" dirty="0" smtClean="0"/>
+              <a:t>UI</a:t>
+            </a:r>
+            <a:r>
+              <a:rPr kumimoji="1" lang="zh-CN" altLang="en-US" dirty="0" smtClean="0"/>
+              <a:t>框架</a:t>
+            </a:r>
+            <a:r>
+              <a:rPr kumimoji="1" lang="en-US" altLang="zh-CN" dirty="0" smtClean="0"/>
+              <a:t> Bootstrap</a:t>
+            </a:r>
+          </a:p>
+          <a:p>
+            <a:r>
+              <a:rPr kumimoji="1" lang="zh-CN" altLang="en-US" dirty="0" smtClean="0"/>
+              <a:t>下载图标字体</a:t>
+            </a:r>
+            <a:r>
+              <a:rPr kumimoji="1" lang="en-US" altLang="zh-CN" dirty="0" smtClean="0"/>
+              <a:t> </a:t>
+            </a:r>
+            <a:r>
+              <a:rPr kumimoji="1" lang="en-US" altLang="zh-CN" dirty="0" err="1" smtClean="0"/>
+              <a:t>Fontawesome</a:t>
+            </a:r>
+            <a:r>
+              <a:rPr kumimoji="1" lang="en-US" altLang="zh-CN" dirty="0" smtClean="0"/>
+              <a:t> / </a:t>
+            </a:r>
+            <a:r>
+              <a:rPr kumimoji="1" lang="en-US" altLang="zh-CN" dirty="0" err="1" smtClean="0"/>
+              <a:t>Iconfont</a:t>
+            </a:r>
+            <a:endParaRPr kumimoji="1" lang="zh-CN" altLang="en-US" dirty="0"/>
+          </a:p>
+        </p:txBody>
+      </p:sp>
+    </p:spTree>
+    <p:extLst>
+      <p:ext uri="{BB962C8B-B14F-4D97-AF65-F5344CB8AC3E}">
+        <p14:creationId xmlns:p14="http://schemas.microsoft.com/office/powerpoint/2010/main" val="1232056856"/>
+      </p:ext>
+    </p:extLst>
+  </p:cSld>
+  <p:clrMapOvr>
+    <a:masterClrMapping/>
+  </p:clrMapOvr>
+  <p:timing>
+    <p:tnLst>
+      <p:par>
+        <p:cTn id="1" dur="indefinite" restart="never" nodeType="tmRoot">
+          <p:childTnLst>
+            <p:seq concurrent="1" nextAc="seek">
+              <p:cTn id="2" dur="indefinite" nodeType="mainSeq">
+                <p:childTnLst>
+                  <p:par>
+                    <p:cTn id="3" fill="hold">
+                      <p:stCondLst>
+                        <p:cond delay="indefinite"/>
+                      </p:stCondLst>
+                      <p:childTnLst>
+                        <p:par>
+                          <p:cTn id="4" fill="hold">
+                            <p:stCondLst>
+                              <p:cond delay="0"/>
+                            </p:stCondLst>
+                            <p:childTnLst>
+                              <p:par>
+                                <p:cTn id="5" presetID="2" presetClass="entr" presetSubtype="4" fill="hold" grpId="0" nodeType="clickEffect">
+                                  <p:stCondLst>
+                                    <p:cond delay="0"/>
+                                  </p:stCondLst>
+                                  <p:childTnLst>
+                                    <p:set>
+                                      <p:cBhvr>
+                                        <p:cTn id="6" dur="1" fill="hold">
+                                          <p:stCondLst>
+                                            <p:cond delay="0"/>
+                                          </p:stCondLst>
+                                        </p:cTn>
+                                        <p:tgtEl>
+                                          <p:spTgt spid="3">
+                                            <p:txEl>
+                                              <p:pRg st="0" end="0"/>
+                                            </p:txEl>
+                                          </p:spTgt>
+                                        </p:tgtEl>
+                                        <p:attrNameLst>
+                                          <p:attrName>style.visibility</p:attrName>
+                                        </p:attrNameLst>
+                                      </p:cBhvr>
+                                      <p:to>
+                                        <p:strVal val="visible"/>
+                                      </p:to>
+                                    </p:set>
+                                    <p:anim calcmode="lin" valueType="num">
+                                      <p:cBhvr additive="base">
+                                        <p:cTn id="7" dur="500" fill="hold"/>
+                                        <p:tgtEl>
+                                          <p:spTgt spid="3">
+                                            <p:txEl>
+                                              <p:pRg st="0" end="0"/>
+                                            </p:txEl>
+                                          </p:spTgt>
+                                        </p:tgtEl>
+                                        <p:attrNameLst>
+                                          <p:attrName>ppt_x</p:attrName>
+                                        </p:attrNameLst>
+                                      </p:cBhvr>
+                                      <p:tavLst>
+                                        <p:tav tm="0">
+                                          <p:val>
+                                            <p:strVal val="#ppt_x"/>
+                                          </p:val>
+                                        </p:tav>
+                                        <p:tav tm="100000">
+                                          <p:val>
+                                            <p:strVal val="#ppt_x"/>
+                                          </p:val>
+                                        </p:tav>
+                                      </p:tavLst>
+                                    </p:anim>
+                                    <p:anim calcmode="lin" valueType="num">
+                                      <p:cBhvr additive="base">
+                                        <p:cTn id="8" dur="500" fill="hold"/>
+                                        <p:tgtEl>
+                                          <p:spTgt spid="3">
+                                            <p:txEl>
+                                              <p:pRg st="0" end="0"/>
+                                            </p:txEl>
+                                          </p:spTgt>
+                                        </p:tgtEl>
+                                        <p:attrNameLst>
+                                          <p:attrName>ppt_y</p:attrName>
+                                        </p:attrNameLst>
+                                      </p:cBhvr>
+                                      <p:tavLst>
+                                        <p:tav tm="0">
+                                          <p:val>
+                                            <p:strVal val="1+#ppt_h/2"/>
+                                          </p:val>
+                                        </p:tav>
+                                        <p:tav tm="100000">
+                                          <p:val>
+                                            <p:strVal val="#ppt_y"/>
+                                          </p:val>
+                                        </p:tav>
+                                      </p:tavLst>
+                                    </p:anim>
+                                  </p:childTnLst>
+                                </p:cTn>
+                              </p:par>
+                            </p:childTnLst>
+                          </p:cTn>
+                        </p:par>
+                      </p:childTnLst>
+                    </p:cTn>
+                  </p:par>
+                  <p:par>
+                    <p:cTn id="9" fill="hold">
+                      <p:stCondLst>
+                        <p:cond delay="indefinite"/>
+                      </p:stCondLst>
+                      <p:childTnLst>
+                        <p:par>
+                          <p:cTn id="10" fill="hold">
+                            <p:stCondLst>
+                              <p:cond delay="0"/>
+                            </p:stCondLst>
+                            <p:childTnLst>
+                              <p:par>
+                                <p:cTn id="11" presetID="2" presetClass="entr" presetSubtype="4" fill="hold" grpId="0" nodeType="clickEffect">
+                                  <p:stCondLst>
+                                    <p:cond delay="0"/>
+                                  </p:stCondLst>
+                                  <p:childTnLst>
+                                    <p:set>
+                                      <p:cBhvr>
+                                        <p:cTn id="12" dur="1" fill="hold">
+                                          <p:stCondLst>
+                                            <p:cond delay="0"/>
+                                          </p:stCondLst>
+                                        </p:cTn>
+                                        <p:tgtEl>
+                                          <p:spTgt spid="3">
+                                            <p:txEl>
+                                              <p:pRg st="1" end="1"/>
+                                            </p:txEl>
+                                          </p:spTgt>
+                                        </p:tgtEl>
+                                        <p:attrNameLst>
+                                          <p:attrName>style.visibility</p:attrName>
+                                        </p:attrNameLst>
+                                      </p:cBhvr>
+                                      <p:to>
+                                        <p:strVal val="visible"/>
+                                      </p:to>
+                                    </p:set>
+                                    <p:anim calcmode="lin" valueType="num">
+                                      <p:cBhvr additive="base">
+                                        <p:cTn id="13" dur="500" fill="hold"/>
+                                        <p:tgtEl>
+                                          <p:spTgt spid="3">
+                                            <p:txEl>
+                                              <p:pRg st="1" end="1"/>
+                                            </p:txEl>
+                                          </p:spTgt>
+                                        </p:tgtEl>
+                                        <p:attrNameLst>
+                                          <p:attrName>ppt_x</p:attrName>
+                                        </p:attrNameLst>
+                                      </p:cBhvr>
+                                      <p:tavLst>
+                                        <p:tav tm="0">
+                                          <p:val>
+                                            <p:strVal val="#ppt_x"/>
+                                          </p:val>
+                                        </p:tav>
+                                        <p:tav tm="100000">
+                                          <p:val>
+                                            <p:strVal val="#ppt_x"/>
+                                          </p:val>
+                                        </p:tav>
+                                      </p:tavLst>
+                                    </p:anim>
+                                    <p:anim calcmode="lin" valueType="num">
+                                      <p:cBhvr additive="base">
+                                        <p:cTn id="14" dur="500" fill="hold"/>
+                                        <p:tgtEl>
+                                          <p:spTgt spid="3">
+                                            <p:txEl>
+                                              <p:pRg st="1" end="1"/>
+                                            </p:txEl>
+                                          </p:spTgt>
+                                        </p:tgtEl>
+                                        <p:attrNameLst>
+                                          <p:attrName>ppt_y</p:attrName>
+                                        </p:attrNameLst>
+                                      </p:cBhvr>
+                                      <p:tavLst>
+                                        <p:tav tm="0">
+                                          <p:val>
+                                            <p:strVal val="1+#ppt_h/2"/>
+                                          </p:val>
+                                        </p:tav>
+                                        <p:tav tm="100000">
+                                          <p:val>
+                                            <p:strVal val="#ppt_y"/>
+                                          </p:val>
+                                        </p:tav>
+                                      </p:tavLst>
+                                    </p:anim>
+                                  </p:childTnLst>
+                                </p:cTn>
+                              </p:par>
+                            </p:childTnLst>
+                          </p:cTn>
+                        </p:par>
+                      </p:childTnLst>
+                    </p:cTn>
+                  </p:par>
+                  <p:par>
+                    <p:cTn id="15" fill="hold">
+                      <p:stCondLst>
+                        <p:cond delay="indefinite"/>
+                      </p:stCondLst>
+                      <p:childTnLst>
+                        <p:par>
+                          <p:cTn id="16" fill="hold">
+                            <p:stCondLst>
+                              <p:cond delay="0"/>
+                            </p:stCondLst>
+                            <p:childTnLst>
+                              <p:par>
+                                <p:cTn id="17" presetID="2" presetClass="entr" presetSubtype="4" fill="hold" grpId="0" nodeType="clickEffect">
+                                  <p:stCondLst>
+                                    <p:cond delay="0"/>
+                                  </p:stCondLst>
+                                  <p:childTnLst>
+                                    <p:set>
+                                      <p:cBhvr>
+                                        <p:cTn id="18" dur="1" fill="hold">
+                                          <p:stCondLst>
+                                            <p:cond delay="0"/>
+                                          </p:stCondLst>
+                                        </p:cTn>
+                                        <p:tgtEl>
+                                          <p:spTgt spid="3">
+                                            <p:txEl>
+                                              <p:pRg st="2" end="2"/>
+                                            </p:txEl>
+                                          </p:spTgt>
+                                        </p:tgtEl>
+                                        <p:attrNameLst>
+                                          <p:attrName>style.visibility</p:attrName>
+                                        </p:attrNameLst>
+                                      </p:cBhvr>
+                                      <p:to>
+                                        <p:strVal val="visible"/>
+                                      </p:to>
+                                    </p:set>
+                                    <p:anim calcmode="lin" valueType="num">
+                                      <p:cBhvr additive="base">
+                                        <p:cTn id="19" dur="500" fill="hold"/>
+                                        <p:tgtEl>
+                                          <p:spTgt spid="3">
+                                            <p:txEl>
+                                              <p:pRg st="2" end="2"/>
+                                            </p:txEl>
+                                          </p:spTgt>
+                                        </p:tgtEl>
+                                        <p:attrNameLst>
+                                          <p:attrName>ppt_x</p:attrName>
+                                        </p:attrNameLst>
+                                      </p:cBhvr>
+                                      <p:tavLst>
+                                        <p:tav tm="0">
+                                          <p:val>
+                                            <p:strVal val="#ppt_x"/>
+                                          </p:val>
+                                        </p:tav>
+                                        <p:tav tm="100000">
+                                          <p:val>
+                                            <p:strVal val="#ppt_x"/>
+                                          </p:val>
+                                        </p:tav>
+                                      </p:tavLst>
+                                    </p:anim>
+                                    <p:anim calcmode="lin" valueType="num">
+                                      <p:cBhvr additive="base">
+                                        <p:cTn id="20" dur="500" fill="hold"/>
+                                        <p:tgtEl>
+                                          <p:spTgt spid="3">
+                                            <p:txEl>
+                                              <p:pRg st="2" end="2"/>
+                                            </p:txEl>
+                                          </p:spTgt>
+                                        </p:tgtEl>
+                                        <p:attrNameLst>
+                                          <p:attrName>ppt_y</p:attrName>
+                                        </p:attrNameLst>
+                                      </p:cBhvr>
+                                      <p:tavLst>
+                                        <p:tav tm="0">
+                                          <p:val>
+                                            <p:strVal val="1+#ppt_h/2"/>
+                                          </p:val>
+                                        </p:tav>
+                                        <p:tav tm="100000">
+                                          <p:val>
+                                            <p:strVal val="#ppt_y"/>
+                                          </p:val>
+                                        </p:tav>
+                                      </p:tavLst>
+                                    </p:anim>
+                                  </p:childTnLst>
+                                </p:cTn>
+                              </p:par>
+                            </p:childTnLst>
+                          </p:cTn>
+                        </p:par>
+                      </p:childTnLst>
+                    </p:cTn>
+                  </p:par>
+                  <p:par>
+                    <p:cTn id="21" fill="hold">
+                      <p:stCondLst>
+                        <p:cond delay="indefinite"/>
+                      </p:stCondLst>
+                      <p:childTnLst>
+                        <p:par>
+                          <p:cTn id="22" fill="hold">
+                            <p:stCondLst>
+                              <p:cond delay="0"/>
+                            </p:stCondLst>
+                            <p:childTnLst>
+                              <p:par>
+                                <p:cTn id="23" presetID="2" presetClass="entr" presetSubtype="4" fill="hold" grpId="0" nodeType="clickEffect">
+                                  <p:stCondLst>
+                                    <p:cond delay="0"/>
+                                  </p:stCondLst>
+                                  <p:childTnLst>
+                                    <p:set>
+                                      <p:cBhvr>
+                                        <p:cTn id="24" dur="1" fill="hold">
+                                          <p:stCondLst>
+                                            <p:cond delay="0"/>
+                                          </p:stCondLst>
+                                        </p:cTn>
+                                        <p:tgtEl>
+                                          <p:spTgt spid="3">
+                                            <p:txEl>
+                                              <p:pRg st="3" end="3"/>
+                                            </p:txEl>
+                                          </p:spTgt>
+                                        </p:tgtEl>
+                                        <p:attrNameLst>
+                                          <p:attrName>style.visibility</p:attrName>
+                                        </p:attrNameLst>
+                                      </p:cBhvr>
+                                      <p:to>
+                                        <p:strVal val="visible"/>
+                                      </p:to>
+                                    </p:set>
+                                    <p:anim calcmode="lin" valueType="num">
+                                      <p:cBhvr additive="base">
+                                        <p:cTn id="25" dur="500" fill="hold"/>
+                                        <p:tgtEl>
+                                          <p:spTgt spid="3">
+                                            <p:txEl>
+                                              <p:pRg st="3" end="3"/>
+                                            </p:txEl>
+                                          </p:spTgt>
+                                        </p:tgtEl>
+                                        <p:attrNameLst>
+                                          <p:attrName>ppt_x</p:attrName>
+                                        </p:attrNameLst>
+                                      </p:cBhvr>
+                                      <p:tavLst>
+                                        <p:tav tm="0">
+                                          <p:val>
+                                            <p:strVal val="#ppt_x"/>
+                                          </p:val>
+                                        </p:tav>
+                                        <p:tav tm="100000">
+                                          <p:val>
+                                            <p:strVal val="#ppt_x"/>
+                                          </p:val>
+                                        </p:tav>
+                                      </p:tavLst>
+                                    </p:anim>
+                                    <p:anim calcmode="lin" valueType="num">
+                                      <p:cBhvr additive="base">
+                                        <p:cTn id="26" dur="500" fill="hold"/>
+                                        <p:tgtEl>
+                                          <p:spTgt spid="3">
+                                            <p:txEl>
+                                              <p:pRg st="3" end="3"/>
+                                            </p:txEl>
+                                          </p:spTgt>
+                                        </p:tgtEl>
+                                        <p:attrNameLst>
+                                          <p:attrName>ppt_y</p:attrName>
+                                        </p:attrNameLst>
+                                      </p:cBhvr>
+                                      <p:tavLst>
+                                        <p:tav tm="0">
+                                          <p:val>
+                                            <p:strVal val="1+#ppt_h/2"/>
+                                          </p:val>
+                                        </p:tav>
+                                        <p:tav tm="100000">
+                                          <p:val>
+                                            <p:strVal val="#ppt_y"/>
+                                          </p:val>
+                                        </p:tav>
+                                      </p:tavLst>
+                                    </p:anim>
+                                  </p:childTnLst>
+                                </p:cTn>
+                              </p:par>
+                            </p:childTnLst>
+                          </p:cTn>
+                        </p:par>
+                      </p:childTnLst>
+                    </p:cTn>
+                  </p:par>
+                  <p:par>
+                    <p:cTn id="27" fill="hold">
+                      <p:stCondLst>
+                        <p:cond delay="indefinite"/>
+                      </p:stCondLst>
+                      <p:childTnLst>
+                        <p:par>
+                          <p:cTn id="28" fill="hold">
+                            <p:stCondLst>
+                              <p:cond delay="0"/>
+                            </p:stCondLst>
+                            <p:childTnLst>
+                              <p:par>
+                                <p:cTn id="29" presetID="2" presetClass="entr" presetSubtype="4" fill="hold" grpId="0" nodeType="clickEffect">
+                                  <p:stCondLst>
+                                    <p:cond delay="0"/>
+                                  </p:stCondLst>
+                                  <p:childTnLst>
+                                    <p:set>
+                                      <p:cBhvr>
+                                        <p:cTn id="30" dur="1" fill="hold">
+                                          <p:stCondLst>
+                                            <p:cond delay="0"/>
+                                          </p:stCondLst>
+                                        </p:cTn>
+                                        <p:tgtEl>
+                                          <p:spTgt spid="3">
+                                            <p:txEl>
+                                              <p:pRg st="4" end="4"/>
+                                            </p:txEl>
+                                          </p:spTgt>
+                                        </p:tgtEl>
+                                        <p:attrNameLst>
+                                          <p:attrName>style.visibility</p:attrName>
+                                        </p:attrNameLst>
+                                      </p:cBhvr>
+                                      <p:to>
+                                        <p:strVal val="visible"/>
+                                      </p:to>
+                                    </p:set>
+                                    <p:anim calcmode="lin" valueType="num">
+                                      <p:cBhvr additive="base">
+                                        <p:cTn id="31" dur="500" fill="hold"/>
+                                        <p:tgtEl>
+                                          <p:spTgt spid="3">
+                                            <p:txEl>
+                                              <p:pRg st="4" end="4"/>
+                                            </p:txEl>
+                                          </p:spTgt>
+                                        </p:tgtEl>
+                                        <p:attrNameLst>
+                                          <p:attrName>ppt_x</p:attrName>
+                                        </p:attrNameLst>
+                                      </p:cBhvr>
+                                      <p:tavLst>
+                                        <p:tav tm="0">
+                                          <p:val>
+                                            <p:strVal val="#ppt_x"/>
+                                          </p:val>
+                                        </p:tav>
+                                        <p:tav tm="100000">
+                                          <p:val>
+                                            <p:strVal val="#ppt_x"/>
+                                          </p:val>
+                                        </p:tav>
+                                      </p:tavLst>
+                                    </p:anim>
+                                    <p:anim calcmode="lin" valueType="num">
+                                      <p:cBhvr additive="base">
+                                        <p:cTn id="32" dur="500" fill="hold"/>
+                                        <p:tgtEl>
+                                          <p:spTgt spid="3">
+                                            <p:txEl>
+                                              <p:pRg st="4" end="4"/>
+                                            </p:txEl>
+                                          </p:spTgt>
+                                        </p:tgtEl>
+                                        <p:attrNameLst>
+                                          <p:attrName>ppt_y</p:attrName>
+                                        </p:attrNameLst>
+                                      </p:cBhvr>
+                                      <p:tavLst>
+                                        <p:tav tm="0">
+                                          <p:val>
+                                            <p:strVal val="1+#ppt_h/2"/>
+                                          </p:val>
+                                        </p:tav>
+                                        <p:tav tm="100000">
+                                          <p:val>
+                                            <p:strVal val="#ppt_y"/>
+                                          </p:val>
+                                        </p:tav>
+                                      </p:tavLst>
+                                    </p:anim>
+                                  </p:childTnLst>
+                                </p:cTn>
+                              </p:par>
+                            </p:childTnLst>
+                          </p:cTn>
+                        </p:par>
+                      </p:childTnLst>
+                    </p:cTn>
+                  </p:par>
+                  <p:par>
+                    <p:cTn id="33" fill="hold">
+                      <p:stCondLst>
+                        <p:cond delay="indefinite"/>
+                      </p:stCondLst>
+                      <p:childTnLst>
+                        <p:par>
+                          <p:cTn id="34" fill="hold">
+                            <p:stCondLst>
+                              <p:cond delay="0"/>
+                            </p:stCondLst>
+                            <p:childTnLst>
+                              <p:par>
+                                <p:cTn id="35" presetID="2" presetClass="entr" presetSubtype="4" fill="hold" grpId="0" nodeType="clickEffect">
+                                  <p:stCondLst>
+                                    <p:cond delay="0"/>
+                                  </p:stCondLst>
+                                  <p:childTnLst>
+                                    <p:set>
+                                      <p:cBhvr>
+                                        <p:cTn id="36" dur="1" fill="hold">
+                                          <p:stCondLst>
+                                            <p:cond delay="0"/>
+                                          </p:stCondLst>
+                                        </p:cTn>
+                                        <p:tgtEl>
+                                          <p:spTgt spid="3">
+                                            <p:txEl>
+                                              <p:pRg st="5" end="5"/>
+                                            </p:txEl>
+                                          </p:spTgt>
+                                        </p:tgtEl>
+                                        <p:attrNameLst>
+                                          <p:attrName>style.visibility</p:attrName>
+                                        </p:attrNameLst>
+                                      </p:cBhvr>
+                                      <p:to>
+                                        <p:strVal val="visible"/>
+                                      </p:to>
+                                    </p:set>
+                                    <p:anim calcmode="lin" valueType="num">
+                                      <p:cBhvr additive="base">
+                                        <p:cTn id="37" dur="500" fill="hold"/>
+                                        <p:tgtEl>
+                                          <p:spTgt spid="3">
+                                            <p:txEl>
+                                              <p:pRg st="5" end="5"/>
+                                            </p:txEl>
+                                          </p:spTgt>
+                                        </p:tgtEl>
+                                        <p:attrNameLst>
+                                          <p:attrName>ppt_x</p:attrName>
+                                        </p:attrNameLst>
+                                      </p:cBhvr>
+                                      <p:tavLst>
+                                        <p:tav tm="0">
+                                          <p:val>
+                                            <p:strVal val="#ppt_x"/>
+                                          </p:val>
+                                        </p:tav>
+                                        <p:tav tm="100000">
+                                          <p:val>
+                                            <p:strVal val="#ppt_x"/>
+                                          </p:val>
+                                        </p:tav>
+                                      </p:tavLst>
+                                    </p:anim>
+                                    <p:anim calcmode="lin" valueType="num">
+                                      <p:cBhvr additive="base">
+                                        <p:cTn id="38" dur="500" fill="hold"/>
+                                        <p:tgtEl>
+                                          <p:spTgt spid="3">
+                                            <p:txEl>
+                                              <p:pRg st="5" end="5"/>
+                                            </p:txEl>
+                                          </p:spTgt>
+                                        </p:tgtEl>
+                                        <p:attrNameLst>
+                                          <p:attrName>ppt_y</p:attrName>
+                                        </p:attrNameLst>
+                                      </p:cBhvr>
+                                      <p:tavLst>
+                                        <p:tav tm="0">
+                                          <p:val>
+                                            <p:strVal val="1+#ppt_h/2"/>
+                                          </p:val>
+                                        </p:tav>
+                                        <p:tav tm="100000">
+                                          <p:val>
+                                            <p:strVal val="#ppt_y"/>
+                                          </p:val>
+                                        </p:tav>
+                                      </p:tavLst>
+                                    </p:anim>
+                                  </p:childTnLst>
+                                </p:cTn>
+                              </p:par>
+                            </p:childTnLst>
+                          </p:cTn>
+                        </p:par>
+                      </p:childTnLst>
+                    </p:cTn>
+                  </p:par>
+                </p:childTnLst>
+              </p:cTn>
+              <p:prevCondLst>
+                <p:cond evt="onPrev" delay="0">
+                  <p:tgtEl>
+                    <p:sldTgt/>
+                  </p:tgtEl>
+                </p:cond>
+              </p:prevCondLst>
+              <p:nextCondLst>
+                <p:cond evt="onNext" delay="0">
+                  <p:tgtEl>
+                    <p:sldTgt/>
+                  </p:tgtEl>
+                </p:cond>
+              </p:nextCondLst>
+            </p:seq>
+          </p:childTnLst>
+        </p:cTn>
+      </p:par>
+    </p:tnLst>
+    <p:bldLst>
+      <p:bldP spid="3" grpId="0" build="p"/>
+    </p:bldLst>
+  </p:timing>
+</p:sld>
+</file>
+
+<file path=ppt/slides/slide7.xml><?xml version="1.0" encoding="utf-8"?>
+<p:sld xmlns:a="http://schemas.openxmlformats.org/drawingml/2006/main" xmlns:r="http://schemas.openxmlformats.org/officeDocument/2006/relationships" xmlns:p="http://schemas.openxmlformats.org/presentationml/2006/main">
+  <p:cSld>
+    <p:spTree>
+      <p:nvGrpSpPr>
+        <p:cNvPr id="1" name=""/>
+        <p:cNvGrpSpPr/>
+        <p:nvPr/>
+      </p:nvGrpSpPr>
+      <p:grpSpPr>
+        <a:xfrm>
+          <a:off x="0" y="0"/>
+          <a:ext cx="0" cy="0"/>
+          <a:chOff x="0" y="0"/>
+          <a:chExt cx="0" cy="0"/>
+        </a:xfrm>
+      </p:grpSpPr>
+      <p:sp>
+        <p:nvSpPr>
+          <p:cNvPr id="2" name="标题 1"/>
+          <p:cNvSpPr>
+            <a:spLocks noGrp="1"/>
+          </p:cNvSpPr>
+          <p:nvPr>
+            <p:ph type="title"/>
+          </p:nvPr>
+        </p:nvSpPr>
+        <p:spPr/>
+        <p:txBody>
+          <a:bodyPr/>
+          <a:lstStyle/>
+          <a:p>
+            <a:r>
+              <a:rPr kumimoji="1" lang="en-US" altLang="zh-CN" dirty="0" smtClean="0"/>
               <a:t>Bootstrap</a:t>
             </a:r>
             <a:endParaRPr kumimoji="1" lang="zh-CN" altLang="en-US" dirty="0"/>
@@ -9040,6 +10776,246 @@
     <p:bldLst>
       <p:bldP spid="3" grpId="0" build="p"/>
     </p:bldLst>
+  </p:timing>
+</p:sld>
+</file>
+
+<file path=ppt/slides/slide8.xml><?xml version="1.0" encoding="utf-8"?>
+<p:sld xmlns:a="http://schemas.openxmlformats.org/drawingml/2006/main" xmlns:r="http://schemas.openxmlformats.org/officeDocument/2006/relationships" xmlns:p="http://schemas.openxmlformats.org/presentationml/2006/main">
+  <p:cSld>
+    <p:spTree>
+      <p:nvGrpSpPr>
+        <p:cNvPr id="1" name=""/>
+        <p:cNvGrpSpPr/>
+        <p:nvPr/>
+      </p:nvGrpSpPr>
+      <p:grpSpPr>
+        <a:xfrm>
+          <a:off x="0" y="0"/>
+          <a:ext cx="0" cy="0"/>
+          <a:chOff x="0" y="0"/>
+          <a:chExt cx="0" cy="0"/>
+        </a:xfrm>
+      </p:grpSpPr>
+      <p:sp>
+        <p:nvSpPr>
+          <p:cNvPr id="2" name="标题 1"/>
+          <p:cNvSpPr>
+            <a:spLocks noGrp="1"/>
+          </p:cNvSpPr>
+          <p:nvPr>
+            <p:ph type="title"/>
+          </p:nvPr>
+        </p:nvSpPr>
+        <p:spPr/>
+        <p:txBody>
+          <a:bodyPr/>
+          <a:lstStyle/>
+          <a:p>
+            <a:r>
+              <a:rPr kumimoji="1" lang="zh-CN" altLang="en-US" dirty="0" smtClean="0"/>
+              <a:t>图标字体</a:t>
+            </a:r>
+            <a:endParaRPr kumimoji="1" lang="zh-CN" altLang="en-US" dirty="0"/>
+          </a:p>
+        </p:txBody>
+      </p:sp>
+      <p:sp>
+        <p:nvSpPr>
+          <p:cNvPr id="3" name="内容占位符 2"/>
+          <p:cNvSpPr>
+            <a:spLocks noGrp="1"/>
+          </p:cNvSpPr>
+          <p:nvPr>
+            <p:ph idx="1"/>
+          </p:nvPr>
+        </p:nvSpPr>
+        <p:spPr/>
+        <p:txBody>
+          <a:bodyPr/>
+          <a:lstStyle/>
+          <a:p>
+            <a:r>
+              <a:rPr kumimoji="1" lang="zh-CN" altLang="en-US" dirty="0" smtClean="0"/>
+              <a:t>字体</a:t>
+            </a:r>
+          </a:p>
+          <a:p>
+            <a:r>
+              <a:rPr kumimoji="1" lang="zh-CN" altLang="en-US" dirty="0" smtClean="0"/>
+              <a:t>图标字体</a:t>
+            </a:r>
+          </a:p>
+          <a:p>
+            <a:r>
+              <a:rPr lang="en-US" altLang="zh-CN" dirty="0" err="1" smtClean="0"/>
+              <a:t>Fontawesome</a:t>
+            </a:r>
+            <a:r>
+              <a:rPr lang="zh-CN" altLang="en-US" dirty="0" smtClean="0"/>
+              <a:t>   </a:t>
+            </a:r>
+            <a:r>
+              <a:rPr lang="en-US" altLang="zh-CN" dirty="0" smtClean="0">
+                <a:hlinkClick r:id="rId2"/>
+              </a:rPr>
+              <a:t>http</a:t>
+            </a:r>
+            <a:r>
+              <a:rPr lang="en-US" altLang="zh-CN" dirty="0">
+                <a:hlinkClick r:id="rId2"/>
+              </a:rPr>
+              <a:t>://fontawesome.io</a:t>
+            </a:r>
+            <a:r>
+              <a:rPr lang="en-US" altLang="zh-CN" dirty="0" smtClean="0">
+                <a:hlinkClick r:id="rId2"/>
+              </a:rPr>
+              <a:t>/</a:t>
+            </a:r>
+            <a:endParaRPr lang="zh-CN" altLang="en-US" dirty="0" smtClean="0"/>
+          </a:p>
+          <a:p>
+            <a:r>
+              <a:rPr kumimoji="1" lang="en-US" altLang="zh-CN" dirty="0" err="1" smtClean="0"/>
+              <a:t>Iconfont</a:t>
+            </a:r>
+            <a:r>
+              <a:rPr kumimoji="1" lang="zh-CN" altLang="en-US" dirty="0" smtClean="0"/>
+              <a:t>  </a:t>
+            </a:r>
+            <a:r>
+              <a:rPr kumimoji="1" lang="en-US" altLang="zh-CN" dirty="0">
+                <a:hlinkClick r:id="rId3"/>
+              </a:rPr>
+              <a:t>http://www.iconfont.cn</a:t>
+            </a:r>
+            <a:r>
+              <a:rPr kumimoji="1" lang="en-US" altLang="zh-CN" dirty="0" smtClean="0">
+                <a:hlinkClick r:id="rId3"/>
+              </a:rPr>
+              <a:t>/</a:t>
+            </a:r>
+            <a:r>
+              <a:rPr kumimoji="1" lang="zh-CN" altLang="en-US" dirty="0" smtClean="0"/>
+              <a:t> </a:t>
+            </a:r>
+          </a:p>
+          <a:p>
+            <a:endParaRPr kumimoji="1" lang="zh-CN" altLang="en-US" dirty="0"/>
+          </a:p>
+        </p:txBody>
+      </p:sp>
+    </p:spTree>
+    <p:extLst>
+      <p:ext uri="{BB962C8B-B14F-4D97-AF65-F5344CB8AC3E}">
+        <p14:creationId xmlns:p14="http://schemas.microsoft.com/office/powerpoint/2010/main" val="733053144"/>
+      </p:ext>
+    </p:extLst>
+  </p:cSld>
+  <p:clrMapOvr>
+    <a:masterClrMapping/>
+  </p:clrMapOvr>
+  <p:timing>
+    <p:tnLst>
+      <p:par>
+        <p:cTn id="1" dur="indefinite" restart="never" nodeType="tmRoot"/>
+      </p:par>
+    </p:tnLst>
+  </p:timing>
+</p:sld>
+</file>
+
+<file path=ppt/slides/slide9.xml><?xml version="1.0" encoding="utf-8"?>
+<p:sld xmlns:a="http://schemas.openxmlformats.org/drawingml/2006/main" xmlns:r="http://schemas.openxmlformats.org/officeDocument/2006/relationships" xmlns:p="http://schemas.openxmlformats.org/presentationml/2006/main">
+  <p:cSld>
+    <p:spTree>
+      <p:nvGrpSpPr>
+        <p:cNvPr id="1" name=""/>
+        <p:cNvGrpSpPr/>
+        <p:nvPr/>
+      </p:nvGrpSpPr>
+      <p:grpSpPr>
+        <a:xfrm>
+          <a:off x="0" y="0"/>
+          <a:ext cx="0" cy="0"/>
+          <a:chOff x="0" y="0"/>
+          <a:chExt cx="0" cy="0"/>
+        </a:xfrm>
+      </p:grpSpPr>
+      <p:sp>
+        <p:nvSpPr>
+          <p:cNvPr id="2" name="标题 1"/>
+          <p:cNvSpPr>
+            <a:spLocks noGrp="1"/>
+          </p:cNvSpPr>
+          <p:nvPr>
+            <p:ph type="title"/>
+          </p:nvPr>
+        </p:nvSpPr>
+        <p:spPr/>
+        <p:txBody>
+          <a:bodyPr/>
+          <a:lstStyle/>
+          <a:p>
+            <a:r>
+              <a:rPr kumimoji="1" lang="zh-CN" altLang="en-US" dirty="0" smtClean="0"/>
+              <a:t>利用</a:t>
+            </a:r>
+            <a:r>
+              <a:rPr kumimoji="1" lang="en-US" altLang="zh-CN" smtClean="0"/>
+              <a:t>Bootstrap</a:t>
+            </a:r>
+            <a:r>
+              <a:rPr kumimoji="1" lang="zh-CN" altLang="en-US" dirty="0" smtClean="0"/>
+              <a:t>搭建微网站</a:t>
+            </a:r>
+            <a:endParaRPr kumimoji="1" lang="zh-CN" altLang="en-US" dirty="0"/>
+          </a:p>
+        </p:txBody>
+      </p:sp>
+      <p:pic>
+        <p:nvPicPr>
+          <p:cNvPr id="4" name="内容占位符 3"/>
+          <p:cNvPicPr>
+            <a:picLocks noGrp="1" noChangeAspect="1"/>
+          </p:cNvPicPr>
+          <p:nvPr>
+            <p:ph idx="1"/>
+          </p:nvPr>
+        </p:nvPicPr>
+        <p:blipFill>
+          <a:blip r:embed="rId2"/>
+          <a:stretch>
+            <a:fillRect/>
+          </a:stretch>
+        </p:blipFill>
+        <p:spPr>
+          <a:xfrm>
+            <a:off x="3580375" y="1469770"/>
+            <a:ext cx="2790585" cy="4866169"/>
+          </a:xfrm>
+          <a:prstGeom prst="rect">
+            <a:avLst/>
+          </a:prstGeom>
+        </p:spPr>
+      </p:pic>
+    </p:spTree>
+    <p:extLst>
+      <p:ext uri="{BB962C8B-B14F-4D97-AF65-F5344CB8AC3E}">
+        <p14:creationId xmlns:p14="http://schemas.microsoft.com/office/powerpoint/2010/main" val="216220853"/>
+      </p:ext>
+    </p:extLst>
+  </p:cSld>
+  <p:clrMapOvr>
+    <a:masterClrMapping/>
+  </p:clrMapOvr>
+  <p:timing>
+    <p:tnLst>
+      <p:par>
+        <p:cTn id="1" dur="indefinite" restart="never" nodeType="tmRoot"/>
+      </p:par>
+    </p:tnLst>
   </p:timing>
 </p:sld>
 </file>
